--- a/EbenGunadi_Assignment4.pptx
+++ b/EbenGunadi_Assignment4.pptx
@@ -11,7 +11,7 @@
     <p:sldMasterId id="2147483751" r:id="rId7"/>
   </p:sldMasterIdLst>
   <p:notesMasterIdLst>
-    <p:notesMasterId r:id="rId15"/>
+    <p:notesMasterId r:id="rId16"/>
   </p:notesMasterIdLst>
   <p:sldIdLst>
     <p:sldId id="256" r:id="rId8"/>
@@ -20,29 +20,30 @@
     <p:sldId id="284" r:id="rId11"/>
     <p:sldId id="283" r:id="rId12"/>
     <p:sldId id="282" r:id="rId13"/>
-    <p:sldId id="261" r:id="rId14"/>
+    <p:sldId id="285" r:id="rId14"/>
+    <p:sldId id="261" r:id="rId15"/>
   </p:sldIdLst>
   <p:sldSz cx="9144000" cy="5143500" type="screen16x9"/>
   <p:notesSz cx="6858000" cy="9144000"/>
   <p:embeddedFontLst>
     <p:embeddedFont>
       <p:font typeface="Calibri" panose="020F0502020204030204" pitchFamily="34" charset="0"/>
-      <p:regular r:id="rId16"/>
-      <p:bold r:id="rId17"/>
-      <p:italic r:id="rId18"/>
-      <p:boldItalic r:id="rId19"/>
+      <p:regular r:id="rId17"/>
+      <p:bold r:id="rId18"/>
+      <p:italic r:id="rId19"/>
+      <p:boldItalic r:id="rId20"/>
     </p:embeddedFont>
     <p:embeddedFont>
       <p:font typeface="Calibri Light" panose="020F0302020204030204" pitchFamily="34" charset="0"/>
-      <p:regular r:id="rId20"/>
-      <p:italic r:id="rId21"/>
+      <p:regular r:id="rId21"/>
+      <p:italic r:id="rId22"/>
     </p:embeddedFont>
     <p:embeddedFont>
       <p:font typeface="Helvetica Neue" panose="02000503000000020004" pitchFamily="2" charset="0"/>
-      <p:regular r:id="rId22"/>
-      <p:bold r:id="rId23"/>
-      <p:italic r:id="rId24"/>
-      <p:boldItalic r:id="rId25"/>
+      <p:regular r:id="rId23"/>
+      <p:bold r:id="rId24"/>
+      <p:italic r:id="rId25"/>
+      <p:boldItalic r:id="rId26"/>
     </p:embeddedFont>
   </p:embeddedFontLst>
   <p:defaultTextStyle>
@@ -1458,6 +1459,146 @@
 </file>
 
 <file path=ppt/notesSlides/notesSlide7.xml><?xml version="1.0" encoding="utf-8"?>
+<p:notes xmlns:a="http://schemas.openxmlformats.org/drawingml/2006/main" xmlns:r="http://schemas.openxmlformats.org/officeDocument/2006/relationships" xmlns:p="http://schemas.openxmlformats.org/presentationml/2006/main" showMasterSp="0" showMasterPhAnim="0">
+  <p:cSld>
+    <p:spTree>
+      <p:nvGrpSpPr>
+        <p:cNvPr id="1" name="Shape 135"/>
+        <p:cNvGrpSpPr/>
+        <p:nvPr/>
+      </p:nvGrpSpPr>
+      <p:grpSpPr>
+        <a:xfrm>
+          <a:off x="0" y="0"/>
+          <a:ext cx="0" cy="0"/>
+          <a:chOff x="0" y="0"/>
+          <a:chExt cx="0" cy="0"/>
+        </a:xfrm>
+      </p:grpSpPr>
+      <p:sp>
+        <p:nvSpPr>
+          <p:cNvPr id="136" name="Google Shape;136;g1d80c9bf161_2_85:notes"/>
+          <p:cNvSpPr txBox="1">
+            <a:spLocks noGrp="1"/>
+          </p:cNvSpPr>
+          <p:nvPr>
+            <p:ph type="body" idx="1"/>
+          </p:nvPr>
+        </p:nvSpPr>
+        <p:spPr>
+          <a:xfrm>
+            <a:off x="685800" y="4400550"/>
+            <a:ext cx="5486400" cy="3600600"/>
+          </a:xfrm>
+          <a:prstGeom prst="rect">
+            <a:avLst/>
+          </a:prstGeom>
+          <a:noFill/>
+          <a:ln>
+            <a:noFill/>
+          </a:ln>
+        </p:spPr>
+        <p:txBody>
+          <a:bodyPr spcFirstLastPara="1" wrap="square" lIns="91425" tIns="91425" rIns="91425" bIns="91425" anchor="ctr" anchorCtr="0">
+            <a:noAutofit/>
+          </a:bodyPr>
+          <a:lstStyle/>
+          <a:p>
+            <a:pPr marL="0" lvl="0" indent="0" algn="l" rtl="0">
+              <a:spcBef>
+                <a:spcPts val="0"/>
+              </a:spcBef>
+              <a:spcAft>
+                <a:spcPts val="0"/>
+              </a:spcAft>
+              <a:buClr>
+                <a:schemeClr val="dk1"/>
+              </a:buClr>
+              <a:buSzPts val="1200"/>
+              <a:buFont typeface="Calibri"/>
+              <a:buNone/>
+            </a:pPr>
+            <a:r>
+              <a:rPr lang="en" sz="1200">
+                <a:solidFill>
+                  <a:schemeClr val="dk1"/>
+                </a:solidFill>
+                <a:latin typeface="Calibri"/>
+                <a:ea typeface="Calibri"/>
+                <a:cs typeface="Calibri"/>
+                <a:sym typeface="Calibri"/>
+              </a:rPr>
+              <a:t>Slides can vary as per your presentation, but header and footer should be consistent</a:t>
+            </a:r>
+            <a:endParaRPr/>
+          </a:p>
+        </p:txBody>
+      </p:sp>
+      <p:sp>
+        <p:nvSpPr>
+          <p:cNvPr id="137" name="Google Shape;137;g1d80c9bf161_2_85:notes"/>
+          <p:cNvSpPr>
+            <a:spLocks noGrp="1" noRot="1" noChangeAspect="1"/>
+          </p:cNvSpPr>
+          <p:nvPr>
+            <p:ph type="sldImg" idx="2"/>
+          </p:nvPr>
+        </p:nvSpPr>
+        <p:spPr>
+          <a:xfrm>
+            <a:off x="685800" y="1143000"/>
+            <a:ext cx="5486400" cy="3086100"/>
+          </a:xfrm>
+          <a:custGeom>
+            <a:avLst/>
+            <a:gdLst/>
+            <a:ahLst/>
+            <a:cxnLst/>
+            <a:rect l="l" t="t" r="r" b="b"/>
+            <a:pathLst>
+              <a:path w="120000" h="120000" extrusionOk="0">
+                <a:moveTo>
+                  <a:pt x="0" y="0"/>
+                </a:moveTo>
+                <a:lnTo>
+                  <a:pt x="120000" y="0"/>
+                </a:lnTo>
+                <a:lnTo>
+                  <a:pt x="120000" y="120000"/>
+                </a:lnTo>
+                <a:lnTo>
+                  <a:pt x="0" y="120000"/>
+                </a:lnTo>
+                <a:close/>
+              </a:path>
+            </a:pathLst>
+          </a:custGeom>
+          <a:noFill/>
+          <a:ln w="12700" cap="flat" cmpd="sng">
+            <a:solidFill>
+              <a:srgbClr val="000000"/>
+            </a:solidFill>
+            <a:prstDash val="solid"/>
+            <a:round/>
+            <a:headEnd type="none" w="sm" len="sm"/>
+            <a:tailEnd type="none" w="sm" len="sm"/>
+          </a:ln>
+        </p:spPr>
+      </p:sp>
+    </p:spTree>
+    <p:extLst>
+      <p:ext uri="{BB962C8B-B14F-4D97-AF65-F5344CB8AC3E}">
+        <p14:creationId xmlns:p14="http://schemas.microsoft.com/office/powerpoint/2010/main" val="3799265037"/>
+      </p:ext>
+    </p:extLst>
+  </p:cSld>
+  <p:clrMapOvr>
+    <a:masterClrMapping/>
+  </p:clrMapOvr>
+</p:notes>
+</file>
+
+<file path=ppt/notesSlides/notesSlide8.xml><?xml version="1.0" encoding="utf-8"?>
 <p:notes xmlns:a="http://schemas.openxmlformats.org/drawingml/2006/main" xmlns:r="http://schemas.openxmlformats.org/officeDocument/2006/relationships" xmlns:p="http://schemas.openxmlformats.org/presentationml/2006/main" showMasterSp="0" showMasterPhAnim="0">
   <p:cSld>
     <p:spTree>
@@ -55772,7 +55913,7 @@
                   <a:srgbClr val="FFCC01"/>
                 </a:solidFill>
               </a:rPr>
-              <a:t>Infographic Comparison</a:t>
+              <a:t>Task 1: Infographic Comparison</a:t>
             </a:r>
             <a:endParaRPr sz="2800" b="1" i="1" dirty="0">
               <a:solidFill>
@@ -58148,7 +58289,7 @@
         <p:spPr>
           <a:xfrm>
             <a:off x="404900" y="744438"/>
-            <a:ext cx="4000047" cy="3203308"/>
+            <a:ext cx="4167100" cy="3203308"/>
           </a:xfrm>
           <a:prstGeom prst="rect">
             <a:avLst/>
@@ -58320,6 +58461,53 @@
                 <a:cs typeface="Calibri" panose="020F0502020204030204" pitchFamily="34" charset="0"/>
               </a:rPr>
               <a:t>Numbers can be included, like the average time it takes to refuel/recharge</a:t>
+            </a:r>
+          </a:p>
+          <a:p>
+            <a:pPr lvl="1" indent="-330200">
+              <a:lnSpc>
+                <a:spcPct val="115000"/>
+              </a:lnSpc>
+              <a:spcBef>
+                <a:spcPts val="0"/>
+              </a:spcBef>
+              <a:buSzPts val="1600"/>
+              <a:buFont typeface="Calibri"/>
+              <a:buChar char="-"/>
+            </a:pPr>
+            <a:r>
+              <a:rPr lang="en-US" sz="1300" dirty="0">
+                <a:latin typeface="Calibri" panose="020F0502020204030204" pitchFamily="34" charset="0"/>
+                <a:cs typeface="Calibri" panose="020F0502020204030204" pitchFamily="34" charset="0"/>
+              </a:rPr>
+              <a:t>There are readers with red-green color-vision deficiency</a:t>
+            </a:r>
+          </a:p>
+          <a:p>
+            <a:pPr lvl="2" indent="-330200">
+              <a:lnSpc>
+                <a:spcPct val="115000"/>
+              </a:lnSpc>
+              <a:spcBef>
+                <a:spcPts val="0"/>
+              </a:spcBef>
+              <a:buSzPts val="1600"/>
+              <a:buFont typeface="Calibri"/>
+              <a:buChar char="-"/>
+            </a:pPr>
+            <a:r>
+              <a:rPr lang="en-US" sz="1000">
+                <a:latin typeface="Calibri" panose="020F0502020204030204" pitchFamily="34" charset="0"/>
+                <a:cs typeface="Calibri" panose="020F0502020204030204" pitchFamily="34" charset="0"/>
+              </a:rPr>
+              <a:t>Can </a:t>
+            </a:r>
+            <a:r>
+              <a:rPr lang="en-US" sz="1000" dirty="0">
+                <a:latin typeface="Calibri" panose="020F0502020204030204" pitchFamily="34" charset="0"/>
+                <a:cs typeface="Calibri" panose="020F0502020204030204" pitchFamily="34" charset="0"/>
+              </a:rPr>
+              <a:t>modify red to pink and green to yellow-green</a:t>
             </a:r>
           </a:p>
         </p:txBody>
@@ -59037,6 +59225,279 @@
 </file>
 
 <file path=ppt/slides/slide7.xml><?xml version="1.0" encoding="utf-8"?>
+<p:sld xmlns:a="http://schemas.openxmlformats.org/drawingml/2006/main" xmlns:r="http://schemas.openxmlformats.org/officeDocument/2006/relationships" xmlns:p="http://schemas.openxmlformats.org/presentationml/2006/main">
+  <p:cSld>
+    <p:bg>
+      <p:bgPr>
+        <a:solidFill>
+          <a:schemeClr val="lt1"/>
+        </a:solidFill>
+        <a:effectLst/>
+      </p:bgPr>
+    </p:bg>
+    <p:spTree>
+      <p:nvGrpSpPr>
+        <p:cNvPr id="1" name="Shape 138"/>
+        <p:cNvGrpSpPr/>
+        <p:nvPr/>
+      </p:nvGrpSpPr>
+      <p:grpSpPr>
+        <a:xfrm>
+          <a:off x="0" y="0"/>
+          <a:ext cx="0" cy="0"/>
+          <a:chOff x="0" y="0"/>
+          <a:chExt cx="0" cy="0"/>
+        </a:xfrm>
+      </p:grpSpPr>
+      <p:sp>
+        <p:nvSpPr>
+          <p:cNvPr id="140" name="Google Shape;140;p26"/>
+          <p:cNvSpPr txBox="1">
+            <a:spLocks noGrp="1"/>
+          </p:cNvSpPr>
+          <p:nvPr>
+            <p:ph type="subTitle" idx="1"/>
+          </p:nvPr>
+        </p:nvSpPr>
+        <p:spPr>
+          <a:xfrm>
+            <a:off x="1301850" y="1214081"/>
+            <a:ext cx="6540300" cy="711300"/>
+          </a:xfrm>
+          <a:prstGeom prst="rect">
+            <a:avLst/>
+          </a:prstGeom>
+          <a:noFill/>
+          <a:ln>
+            <a:noFill/>
+          </a:ln>
+        </p:spPr>
+        <p:txBody>
+          <a:bodyPr spcFirstLastPara="1" wrap="square" lIns="51425" tIns="51425" rIns="51425" bIns="51425" anchor="t" anchorCtr="0">
+            <a:noAutofit/>
+          </a:bodyPr>
+          <a:lstStyle/>
+          <a:p>
+            <a:pPr marL="0" lvl="0" indent="0" algn="ctr" rtl="0">
+              <a:lnSpc>
+                <a:spcPct val="90000"/>
+              </a:lnSpc>
+              <a:spcBef>
+                <a:spcPts val="0"/>
+              </a:spcBef>
+              <a:spcAft>
+                <a:spcPts val="0"/>
+              </a:spcAft>
+              <a:buClr>
+                <a:srgbClr val="FFCC01"/>
+              </a:buClr>
+              <a:buSzPts val="2800"/>
+              <a:buNone/>
+            </a:pPr>
+            <a:r>
+              <a:rPr lang="en" sz="2800" b="1" i="1" dirty="0">
+                <a:solidFill>
+                  <a:srgbClr val="FFCC01"/>
+                </a:solidFill>
+              </a:rPr>
+              <a:t>Task 2: Country Comparison Infographic</a:t>
+            </a:r>
+            <a:endParaRPr sz="2800" b="1" i="1" dirty="0">
+              <a:solidFill>
+                <a:srgbClr val="FFCC01"/>
+              </a:solidFill>
+            </a:endParaRPr>
+          </a:p>
+        </p:txBody>
+      </p:sp>
+      <p:sp>
+        <p:nvSpPr>
+          <p:cNvPr id="144" name="Google Shape;144;p26"/>
+          <p:cNvSpPr/>
+          <p:nvPr/>
+        </p:nvSpPr>
+        <p:spPr>
+          <a:xfrm>
+            <a:off x="1136400" y="188925"/>
+            <a:ext cx="6871200" cy="814200"/>
+          </a:xfrm>
+          <a:prstGeom prst="rect">
+            <a:avLst/>
+          </a:prstGeom>
+          <a:noFill/>
+          <a:ln>
+            <a:noFill/>
+          </a:ln>
+        </p:spPr>
+        <p:txBody>
+          <a:bodyPr spcFirstLastPara="1" wrap="square" lIns="51425" tIns="25700" rIns="51425" bIns="25700" anchor="t" anchorCtr="0">
+            <a:noAutofit/>
+          </a:bodyPr>
+          <a:lstStyle/>
+          <a:p>
+            <a:pPr marL="0" marR="0" lvl="0" indent="0" algn="ctr" rtl="0">
+              <a:spcBef>
+                <a:spcPts val="0"/>
+              </a:spcBef>
+              <a:spcAft>
+                <a:spcPts val="0"/>
+              </a:spcAft>
+              <a:buNone/>
+            </a:pPr>
+            <a:r>
+              <a:rPr lang="en" sz="4200" b="1" dirty="0">
+                <a:solidFill>
+                  <a:srgbClr val="991200"/>
+                </a:solidFill>
+                <a:latin typeface="Calibri" panose="020F0502020204030204" pitchFamily="34" charset="0"/>
+                <a:ea typeface="Calibri"/>
+                <a:cs typeface="Calibri" panose="020F0502020204030204" pitchFamily="34" charset="0"/>
+                <a:sym typeface="Calibri"/>
+              </a:rPr>
+              <a:t>Assignment 4</a:t>
+            </a:r>
+            <a:endParaRPr sz="4200" b="1" dirty="0">
+              <a:solidFill>
+                <a:srgbClr val="991200"/>
+              </a:solidFill>
+              <a:latin typeface="Calibri" panose="020F0502020204030204" pitchFamily="34" charset="0"/>
+              <a:ea typeface="Calibri"/>
+              <a:cs typeface="Calibri" panose="020F0502020204030204" pitchFamily="34" charset="0"/>
+              <a:sym typeface="Calibri"/>
+            </a:endParaRPr>
+          </a:p>
+        </p:txBody>
+      </p:sp>
+      <p:sp>
+        <p:nvSpPr>
+          <p:cNvPr id="150" name="Google Shape;150;p26"/>
+          <p:cNvSpPr txBox="1"/>
+          <p:nvPr/>
+        </p:nvSpPr>
+        <p:spPr>
+          <a:xfrm>
+            <a:off x="3628950" y="1925381"/>
+            <a:ext cx="1886100" cy="559500"/>
+          </a:xfrm>
+          <a:prstGeom prst="rect">
+            <a:avLst/>
+          </a:prstGeom>
+          <a:noFill/>
+          <a:ln>
+            <a:noFill/>
+          </a:ln>
+        </p:spPr>
+        <p:txBody>
+          <a:bodyPr spcFirstLastPara="1" wrap="square" lIns="68550" tIns="68550" rIns="68550" bIns="68550" anchor="t" anchorCtr="0">
+            <a:noAutofit/>
+          </a:bodyPr>
+          <a:lstStyle/>
+          <a:p>
+            <a:pPr marL="0" marR="0" lvl="0" indent="0" algn="l" rtl="0">
+              <a:spcBef>
+                <a:spcPts val="0"/>
+              </a:spcBef>
+              <a:spcAft>
+                <a:spcPts val="0"/>
+              </a:spcAft>
+              <a:buNone/>
+            </a:pPr>
+            <a:r>
+              <a:rPr lang="en" sz="2200" b="1" dirty="0">
+                <a:solidFill>
+                  <a:srgbClr val="42719B"/>
+                </a:solidFill>
+                <a:latin typeface="Calibri Light" panose="020F0302020204030204" pitchFamily="34" charset="0"/>
+                <a:ea typeface="Helvetica Neue"/>
+                <a:cs typeface="Calibri Light" panose="020F0302020204030204" pitchFamily="34" charset="0"/>
+                <a:sym typeface="Helvetica Neue"/>
+              </a:rPr>
+              <a:t>Eben Gunadi</a:t>
+            </a:r>
+            <a:endParaRPr sz="1600" b="1" dirty="0">
+              <a:solidFill>
+                <a:schemeClr val="dk1"/>
+              </a:solidFill>
+              <a:latin typeface="Calibri Light" panose="020F0302020204030204" pitchFamily="34" charset="0"/>
+              <a:ea typeface="Calibri"/>
+              <a:cs typeface="Calibri Light" panose="020F0302020204030204" pitchFamily="34" charset="0"/>
+              <a:sym typeface="Calibri"/>
+            </a:endParaRPr>
+          </a:p>
+        </p:txBody>
+      </p:sp>
+      <p:sp>
+        <p:nvSpPr>
+          <p:cNvPr id="7" name="Google Shape;142;p26">
+            <a:extLst>
+              <a:ext uri="{FF2B5EF4-FFF2-40B4-BE49-F238E27FC236}">
+                <a16:creationId xmlns:a16="http://schemas.microsoft.com/office/drawing/2014/main" id="{1D971280-7339-74B1-A270-4802FCE7340D}"/>
+              </a:ext>
+            </a:extLst>
+          </p:cNvPr>
+          <p:cNvSpPr txBox="1">
+            <a:spLocks noGrp="1"/>
+          </p:cNvSpPr>
+          <p:nvPr>
+            <p:ph type="ftr" idx="11"/>
+          </p:nvPr>
+        </p:nvSpPr>
+        <p:spPr>
+          <a:xfrm>
+            <a:off x="3787254" y="4767263"/>
+            <a:ext cx="2599898" cy="273844"/>
+          </a:xfrm>
+          <a:prstGeom prst="rect">
+            <a:avLst/>
+          </a:prstGeom>
+          <a:noFill/>
+          <a:ln>
+            <a:noFill/>
+          </a:ln>
+        </p:spPr>
+        <p:txBody>
+          <a:bodyPr spcFirstLastPara="1" wrap="square" lIns="91425" tIns="45700" rIns="91425" bIns="45700" anchor="ctr" anchorCtr="0">
+            <a:noAutofit/>
+          </a:bodyPr>
+          <a:lstStyle/>
+          <a:p>
+            <a:pPr marL="0" lvl="0" indent="0" algn="ctr" rtl="0">
+              <a:spcBef>
+                <a:spcPts val="0"/>
+              </a:spcBef>
+              <a:spcAft>
+                <a:spcPts val="0"/>
+              </a:spcAft>
+              <a:buNone/>
+            </a:pPr>
+            <a:r>
+              <a:rPr lang="en" dirty="0">
+                <a:latin typeface="Calibri" panose="020F0502020204030204" pitchFamily="34" charset="0"/>
+                <a:cs typeface="Calibri" panose="020F0502020204030204" pitchFamily="34" charset="0"/>
+              </a:rPr>
+              <a:t>DSCI554, Fall ‘23</a:t>
+            </a:r>
+            <a:endParaRPr dirty="0">
+              <a:latin typeface="Calibri" panose="020F0502020204030204" pitchFamily="34" charset="0"/>
+              <a:cs typeface="Calibri" panose="020F0502020204030204" pitchFamily="34" charset="0"/>
+            </a:endParaRPr>
+          </a:p>
+        </p:txBody>
+      </p:sp>
+    </p:spTree>
+    <p:extLst>
+      <p:ext uri="{BB962C8B-B14F-4D97-AF65-F5344CB8AC3E}">
+        <p14:creationId xmlns:p14="http://schemas.microsoft.com/office/powerpoint/2010/main" val="3213133794"/>
+      </p:ext>
+    </p:extLst>
+  </p:cSld>
+  <p:clrMapOvr>
+    <a:masterClrMapping/>
+  </p:clrMapOvr>
+</p:sld>
+</file>
+
+<file path=ppt/slides/slide8.xml><?xml version="1.0" encoding="utf-8"?>
 <p:sld xmlns:a="http://schemas.openxmlformats.org/drawingml/2006/main" xmlns:r="http://schemas.openxmlformats.org/officeDocument/2006/relationships" xmlns:p="http://schemas.openxmlformats.org/presentationml/2006/main">
   <p:cSld>
     <p:spTree>
